--- a/제안서/개인프로젝트_Dokky_김규정.pptx
+++ b/제안서/개인프로젝트_Dokky_김규정.pptx
@@ -2,7 +2,7 @@
 <file path=ppt/presentation.xml><?xml version="1.0" encoding="utf-8"?>
 <p:presentation xmlns:a="http://schemas.openxmlformats.org/drawingml/2006/main" xmlns:r="http://schemas.openxmlformats.org/officeDocument/2006/relationships" xmlns:p="http://schemas.openxmlformats.org/presentationml/2006/main" xmlns:p14="http://schemas.microsoft.com/office/powerpoint/2010/main" saveSubsetFonts="1">
   <p:sldMasterIdLst>
-    <p:sldMasterId id="2147484979" r:id="rId7"/>
+    <p:sldMasterId id="2147484981" r:id="rId7"/>
   </p:sldMasterIdLst>
   <p:notesMasterIdLst>
     <p:notesMasterId r:id="rId9"/>
@@ -5447,9 +5447,9 @@
           <p:nvPr/>
         </p:nvSpPr>
         <p:spPr>
-          <a:xfrm rot="0">
+          <a:xfrm>
             <a:off x="1462405" y="2228215"/>
-            <a:ext cx="9514840" cy="2858135"/>
+            <a:ext cx="9515475" cy="3165475"/>
           </a:xfrm>
           <a:prstGeom prst="rect"/>
           <a:noFill/>
@@ -5531,6 +5531,32 @@
                 <a:ea typeface="-윤고딕320" charset="0"/>
               </a:rPr>
               <a:t>- 스프링을 주로 사용하고 다양한 기술들을 경험해보자</a:t>
+            </a:r>
+            <a:endParaRPr lang="ko-KR" altLang="en-US" sz="2000" cap="none" dirty="0" smtClean="0" b="0" strike="noStrike">
+              <a:latin typeface="-윤고딕320" charset="0"/>
+              <a:ea typeface="-윤고딕320" charset="0"/>
+            </a:endParaRPr>
+          </a:p>
+          <a:p>
+            <a:pPr marL="0" indent="0" algn="l" fontAlgn="auto" defTabSz="914400" eaLnBrk="0">
+              <a:lnSpc>
+                <a:spcPct val="100000"/>
+              </a:lnSpc>
+              <a:spcBef>
+                <a:spcPts val="0"/>
+              </a:spcBef>
+              <a:spcAft>
+                <a:spcPts val="0"/>
+              </a:spcAft>
+              <a:buFontTx/>
+              <a:buNone/>
+            </a:pPr>
+            <a:r>
+              <a:rPr lang="en-US" altLang="ko-KR" sz="2000" cap="none" dirty="0" smtClean="0" b="0" strike="noStrike">
+                <a:latin typeface="-윤고딕320" charset="0"/>
+                <a:ea typeface="-윤고딕320" charset="0"/>
+              </a:rPr>
+              <a:t>- 한 메소드에 1커밋, 하루 20커밋 이상하자.</a:t>
             </a:r>
             <a:endParaRPr lang="ko-KR" altLang="en-US" sz="2000" cap="none" dirty="0" smtClean="0" b="0" strike="noStrike">
               <a:latin typeface="-윤고딕320" charset="0"/>

--- a/제안서/개인프로젝트_Dokky_김규정.pptx
+++ b/제안서/개인프로젝트_Dokky_김규정.pptx
@@ -2,7 +2,7 @@
 <file path=ppt/presentation.xml><?xml version="1.0" encoding="utf-8"?>
 <p:presentation xmlns:a="http://schemas.openxmlformats.org/drawingml/2006/main" xmlns:r="http://schemas.openxmlformats.org/officeDocument/2006/relationships" xmlns:p="http://schemas.openxmlformats.org/presentationml/2006/main" xmlns:p14="http://schemas.microsoft.com/office/powerpoint/2010/main" saveSubsetFonts="1">
   <p:sldMasterIdLst>
-    <p:sldMasterId id="2147484981" r:id="rId7"/>
+    <p:sldMasterId id="2147484992" r:id="rId7"/>
   </p:sldMasterIdLst>
   <p:notesMasterIdLst>
     <p:notesMasterId r:id="rId9"/>
@@ -2876,7 +2876,7 @@
 </file>
 
 <file path=ppt/slides/slide10.xml><?xml version="1.0" encoding="utf-8"?>
-<p:sld xmlns:a="http://schemas.openxmlformats.org/drawingml/2006/main" xmlns:r="http://schemas.openxmlformats.org/officeDocument/2006/relationships" xmlns:p="http://schemas.openxmlformats.org/presentationml/2006/main">
+<p:sld xmlns:a="http://schemas.openxmlformats.org/drawingml/2006/main" xmlns:r="http://schemas.openxmlformats.org/officeDocument/2006/relationships" xmlns:p="http://schemas.openxmlformats.org/presentationml/2006/main" xmlns:p14="http://schemas.microsoft.com/office/powerpoint/2010/main">
   <p:cSld>
     <p:spTree>
       <p:nvGrpSpPr>
@@ -3006,24 +3006,15 @@
       </p:sp>
       <p:pic>
         <p:nvPicPr>
-          <p:cNvPr id="4" name="그림 3" descr="C:/Users/김규정/AppData/Roaming/PolarisOffice/ETemp/5308_9784352/fImage293203209169.png"/>
+          <p:cNvPr id="4" name="그림 3" descr="C:/Users/김규정/AppData/Roaming/PolarisOffice/ETemp/5320_23362440/fImage636671859169.png"/>
           <p:cNvPicPr>
             <a:picLocks noChangeAspect="1"/>
           </p:cNvPicPr>
           <p:nvPr/>
         </p:nvPicPr>
         <p:blipFill rotWithShape="1">
-          <a:blip r:embed="rId2">
+          <a:blip r:embed="rId4">
             <a:extLst>
-              <a:ext uri="{BEBA8EAE-BF5A-486C-A8C5-ECC9F3942E4B}">
-                <a14:imgProps xmlns:a14="http://schemas.microsoft.com/office/drawing/2010/main">
-                  <a14:imgLayer r:embed="rId3">
-                    <a14:imgEffect>
-                      <a14:sharpenSoften amount="50000"/>
-                    </a14:imgEffect>
-                  </a14:imgLayer>
-                </a14:imgProps>
-              </a:ext>
               <a:ext uri="{28A0092B-C50C-407E-A947-70E740481C1C}">
                 <a14:useLocalDpi xmlns:a14="http://schemas.microsoft.com/office/drawing/2010/main" val="0"/>
               </a:ext>
@@ -3035,8 +3026,8 @@
         </p:blipFill>
         <p:spPr>
           <a:xfrm rot="0">
-            <a:off x="2299970" y="1356995"/>
-            <a:ext cx="7606665" cy="4811395"/>
+            <a:off x="2686050" y="1175385"/>
+            <a:ext cx="6797040" cy="5125085"/>
           </a:xfrm>
           <a:prstGeom prst="rect"/>
           <a:noFill/>
@@ -3066,7 +3057,7 @@
 </file>
 
 <file path=ppt/slides/slide11.xml><?xml version="1.0" encoding="utf-8"?>
-<p:sld xmlns:a="http://schemas.openxmlformats.org/drawingml/2006/main" xmlns:r="http://schemas.openxmlformats.org/officeDocument/2006/relationships" xmlns:p="http://schemas.openxmlformats.org/presentationml/2006/main">
+<p:sld xmlns:a="http://schemas.openxmlformats.org/drawingml/2006/main" xmlns:r="http://schemas.openxmlformats.org/officeDocument/2006/relationships" xmlns:p="http://schemas.openxmlformats.org/presentationml/2006/main" xmlns:p14="http://schemas.microsoft.com/office/powerpoint/2010/main">
   <p:cSld>
     <p:spTree>
       <p:nvGrpSpPr>
@@ -3245,24 +3236,15 @@
       </p:sp>
       <p:pic>
         <p:nvPicPr>
-          <p:cNvPr id="5" name="그림 4" descr="C:/Users/김규정/AppData/Roaming/PolarisOffice/ETemp/5308_9784352/fImage345913425724.png"/>
+          <p:cNvPr id="5" name="그림 4" descr="C:/Users/김규정/AppData/Roaming/PolarisOffice/ETemp/5320_23362440/fImage547451865724.png"/>
           <p:cNvPicPr>
             <a:picLocks noChangeAspect="1"/>
           </p:cNvPicPr>
           <p:nvPr/>
         </p:nvPicPr>
         <p:blipFill rotWithShape="1">
-          <a:blip r:embed="rId2">
+          <a:blip r:embed="rId4">
             <a:extLst>
-              <a:ext uri="{BEBA8EAE-BF5A-486C-A8C5-ECC9F3942E4B}">
-                <a14:imgProps xmlns:a14="http://schemas.microsoft.com/office/drawing/2010/main">
-                  <a14:imgLayer r:embed="rId3">
-                    <a14:imgEffect>
-                      <a14:sharpenSoften amount="25000"/>
-                    </a14:imgEffect>
-                  </a14:imgLayer>
-                </a14:imgProps>
-              </a:ext>
               <a:ext uri="{28A0092B-C50C-407E-A947-70E740481C1C}">
                 <a14:useLocalDpi xmlns:a14="http://schemas.microsoft.com/office/drawing/2010/main" val="0"/>
               </a:ext>
@@ -3274,8 +3256,8 @@
         </p:blipFill>
         <p:spPr>
           <a:xfrm rot="0">
-            <a:off x="2061844" y="1190625"/>
-            <a:ext cx="8058785" cy="5263515"/>
+            <a:off x="2363470" y="1189355"/>
+            <a:ext cx="7441565" cy="4960620"/>
           </a:xfrm>
           <a:prstGeom prst="rect"/>
           <a:noFill/>
@@ -3305,7 +3287,7 @@
 </file>
 
 <file path=ppt/slides/slide12.xml><?xml version="1.0" encoding="utf-8"?>
-<p:sld xmlns:a="http://schemas.openxmlformats.org/drawingml/2006/main" xmlns:r="http://schemas.openxmlformats.org/officeDocument/2006/relationships" xmlns:p="http://schemas.openxmlformats.org/presentationml/2006/main">
+<p:sld xmlns:a="http://schemas.openxmlformats.org/drawingml/2006/main" xmlns:r="http://schemas.openxmlformats.org/officeDocument/2006/relationships" xmlns:p="http://schemas.openxmlformats.org/presentationml/2006/main" xmlns:p14="http://schemas.microsoft.com/office/powerpoint/2010/main">
   <p:cSld>
     <p:spTree>
       <p:nvGrpSpPr>
@@ -3435,24 +3417,15 @@
       </p:sp>
       <p:pic>
         <p:nvPicPr>
-          <p:cNvPr id="4" name="그림 3" descr="C:/Users/김규정/AppData/Roaming/PolarisOffice/ETemp/5308_9784352/fImage321913531478.png"/>
+          <p:cNvPr id="4" name="그림 3" descr="C:/Users/김규정/AppData/Roaming/PolarisOffice/ETemp/5320_23362440/fImage599901871478.png"/>
           <p:cNvPicPr>
             <a:picLocks noChangeAspect="1"/>
           </p:cNvPicPr>
           <p:nvPr/>
         </p:nvPicPr>
         <p:blipFill rotWithShape="1">
-          <a:blip r:embed="rId2">
+          <a:blip r:embed="rId4">
             <a:extLst>
-              <a:ext uri="{BEBA8EAE-BF5A-486C-A8C5-ECC9F3942E4B}">
-                <a14:imgProps xmlns:a14="http://schemas.microsoft.com/office/drawing/2010/main">
-                  <a14:imgLayer r:embed="rId3">
-                    <a14:imgEffect>
-                      <a14:sharpenSoften amount="25000"/>
-                    </a14:imgEffect>
-                  </a14:imgLayer>
-                </a14:imgProps>
-              </a:ext>
               <a:ext uri="{28A0092B-C50C-407E-A947-70E740481C1C}">
                 <a14:useLocalDpi xmlns:a14="http://schemas.microsoft.com/office/drawing/2010/main" val="0"/>
               </a:ext>
@@ -3464,8 +3437,8 @@
         </p:blipFill>
         <p:spPr>
           <a:xfrm rot="0">
-            <a:off x="2014220" y="1189990"/>
-            <a:ext cx="8154035" cy="5097145"/>
+            <a:off x="2600325" y="1182370"/>
+            <a:ext cx="6968490" cy="4838700"/>
           </a:xfrm>
           <a:prstGeom prst="rect"/>
           <a:noFill/>
@@ -3495,7 +3468,7 @@
 </file>
 
 <file path=ppt/slides/slide13.xml><?xml version="1.0" encoding="utf-8"?>
-<p:sld xmlns:a="http://schemas.openxmlformats.org/drawingml/2006/main" xmlns:r="http://schemas.openxmlformats.org/officeDocument/2006/relationships" xmlns:p="http://schemas.openxmlformats.org/presentationml/2006/main">
+<p:sld xmlns:a="http://schemas.openxmlformats.org/drawingml/2006/main" xmlns:r="http://schemas.openxmlformats.org/officeDocument/2006/relationships" xmlns:p="http://schemas.openxmlformats.org/presentationml/2006/main" xmlns:p14="http://schemas.microsoft.com/office/powerpoint/2010/main">
   <p:cSld>
     <p:spTree>
       <p:nvGrpSpPr>
@@ -3634,7 +3607,7 @@
         <p:spPr>
           <a:xfrm rot="0">
             <a:off x="176530" y="1203960"/>
-            <a:ext cx="1918969" cy="399415"/>
+            <a:ext cx="1918970" cy="399415"/>
           </a:xfrm>
           <a:prstGeom prst="rect"/>
           <a:noFill/>
@@ -3674,24 +3647,15 @@
       </p:sp>
       <p:pic>
         <p:nvPicPr>
-          <p:cNvPr id="5" name="그림 4" descr="C:/Users/김규정/AppData/Roaming/PolarisOffice/ETemp/5308_9784352/fImage318523599358.png"/>
+          <p:cNvPr id="5" name="그림 4" descr="C:/Users/김규정/AppData/Roaming/PolarisOffice/ETemp/5320_23362440/fImage605551889358.png"/>
           <p:cNvPicPr>
             <a:picLocks noChangeAspect="1"/>
           </p:cNvPicPr>
           <p:nvPr/>
         </p:nvPicPr>
         <p:blipFill rotWithShape="1">
-          <a:blip r:embed="rId2">
+          <a:blip r:embed="rId4">
             <a:extLst>
-              <a:ext uri="{BEBA8EAE-BF5A-486C-A8C5-ECC9F3942E4B}">
-                <a14:imgProps xmlns:a14="http://schemas.microsoft.com/office/drawing/2010/main">
-                  <a14:imgLayer r:embed="rId3">
-                    <a14:imgEffect>
-                      <a14:sharpenSoften amount="25000"/>
-                    </a14:imgEffect>
-                  </a14:imgLayer>
-                </a14:imgProps>
-              </a:ext>
               <a:ext uri="{28A0092B-C50C-407E-A947-70E740481C1C}">
                 <a14:useLocalDpi xmlns:a14="http://schemas.microsoft.com/office/drawing/2010/main" val="0"/>
               </a:ext>
@@ -3703,8 +3667,8 @@
         </p:blipFill>
         <p:spPr>
           <a:xfrm rot="0">
-            <a:off x="2275840" y="1185545"/>
-            <a:ext cx="7654290" cy="5125085"/>
+            <a:off x="2750185" y="1163955"/>
+            <a:ext cx="6689090" cy="5007610"/>
           </a:xfrm>
           <a:prstGeom prst="rect"/>
           <a:noFill/>
@@ -3734,7 +3698,7 @@
 </file>
 
 <file path=ppt/slides/slide14.xml><?xml version="1.0" encoding="utf-8"?>
-<p:sld xmlns:a="http://schemas.openxmlformats.org/drawingml/2006/main" xmlns:r="http://schemas.openxmlformats.org/officeDocument/2006/relationships" xmlns:p="http://schemas.openxmlformats.org/presentationml/2006/main">
+<p:sld xmlns:a="http://schemas.openxmlformats.org/drawingml/2006/main" xmlns:r="http://schemas.openxmlformats.org/officeDocument/2006/relationships" xmlns:p="http://schemas.openxmlformats.org/presentationml/2006/main" xmlns:p14="http://schemas.microsoft.com/office/powerpoint/2010/main">
   <p:cSld>
     <p:spTree>
       <p:nvGrpSpPr>
@@ -3864,14 +3828,14 @@
       </p:sp>
       <p:pic>
         <p:nvPicPr>
-          <p:cNvPr id="4" name="그림 3" descr="C:/Users/김규정/AppData/Roaming/PolarisOffice/ETemp/5308_9784352/fImage1055543706962.png"/>
+          <p:cNvPr id="4" name="그림 3" descr="C:/Users/김규정/AppData/Roaming/PolarisOffice/ETemp/5320_23362440/fImage1055541896962.png"/>
           <p:cNvPicPr>
             <a:picLocks noChangeAspect="1"/>
           </p:cNvPicPr>
           <p:nvPr/>
         </p:nvPicPr>
         <p:blipFill rotWithShape="1">
-          <a:blip r:embed="rId2">
+          <a:blip r:embed="rId3">
             <a:extLst>
               <a:ext uri="{28A0092B-C50C-407E-A947-70E740481C1C}">
                 <a14:useLocalDpi xmlns:a14="http://schemas.microsoft.com/office/drawing/2010/main" val="0"/>
@@ -3884,8 +3848,8 @@
         </p:blipFill>
         <p:spPr>
           <a:xfrm rot="0">
-            <a:off x="1908810" y="1198245"/>
-            <a:ext cx="8375015" cy="5231765"/>
+            <a:off x="2596515" y="1174750"/>
+            <a:ext cx="6993890" cy="5233670"/>
           </a:xfrm>
           <a:prstGeom prst="rect"/>
           <a:noFill/>
@@ -3915,7 +3879,7 @@
 </file>
 
 <file path=ppt/slides/slide15.xml><?xml version="1.0" encoding="utf-8"?>
-<p:sld xmlns:a="http://schemas.openxmlformats.org/drawingml/2006/main" xmlns:r="http://schemas.openxmlformats.org/officeDocument/2006/relationships" xmlns:p="http://schemas.openxmlformats.org/presentationml/2006/main">
+<p:sld xmlns:a="http://schemas.openxmlformats.org/drawingml/2006/main" xmlns:r="http://schemas.openxmlformats.org/officeDocument/2006/relationships" xmlns:p="http://schemas.openxmlformats.org/presentationml/2006/main" xmlns:p14="http://schemas.microsoft.com/office/powerpoint/2010/main">
   <p:cSld>
     <p:spTree>
       <p:nvGrpSpPr>
@@ -4094,24 +4058,15 @@
       </p:sp>
       <p:pic>
         <p:nvPicPr>
-          <p:cNvPr id="5" name="그림 4" descr="C:/Users/김규정/AppData/Roaming/PolarisOffice/ETemp/5308_9784352/fImage196843714464.png"/>
+          <p:cNvPr id="5" name="그림 4" descr="C:/Users/김규정/AppData/Roaming/PolarisOffice/ETemp/5320_23362440/fImage362281904464.png"/>
           <p:cNvPicPr>
             <a:picLocks noChangeAspect="1"/>
           </p:cNvPicPr>
           <p:nvPr/>
         </p:nvPicPr>
         <p:blipFill rotWithShape="1">
-          <a:blip r:embed="rId2">
+          <a:blip r:embed="rId4">
             <a:extLst>
-              <a:ext uri="{BEBA8EAE-BF5A-486C-A8C5-ECC9F3942E4B}">
-                <a14:imgProps xmlns:a14="http://schemas.microsoft.com/office/drawing/2010/main">
-                  <a14:imgLayer r:embed="rId3">
-                    <a14:imgEffect>
-                      <a14:sharpenSoften amount="50000"/>
-                    </a14:imgEffect>
-                  </a14:imgLayer>
-                </a14:imgProps>
-              </a:ext>
               <a:ext uri="{28A0092B-C50C-407E-A947-70E740481C1C}">
                 <a14:useLocalDpi xmlns:a14="http://schemas.microsoft.com/office/drawing/2010/main" val="0"/>
               </a:ext>
@@ -4123,8 +4078,8 @@
         </p:blipFill>
         <p:spPr>
           <a:xfrm rot="0">
-            <a:off x="2347595" y="1409700"/>
-            <a:ext cx="7511415" cy="4806315"/>
+            <a:off x="2298700" y="1616075"/>
+            <a:ext cx="7571105" cy="4061460"/>
           </a:xfrm>
           <a:prstGeom prst="rect"/>
           <a:noFill/>
@@ -4154,7 +4109,7 @@
 </file>
 
 <file path=ppt/slides/slide16.xml><?xml version="1.0" encoding="utf-8"?>
-<p:sld xmlns:a="http://schemas.openxmlformats.org/drawingml/2006/main" xmlns:r="http://schemas.openxmlformats.org/officeDocument/2006/relationships" xmlns:p="http://schemas.openxmlformats.org/presentationml/2006/main">
+<p:sld xmlns:a="http://schemas.openxmlformats.org/drawingml/2006/main" xmlns:r="http://schemas.openxmlformats.org/officeDocument/2006/relationships" xmlns:p="http://schemas.openxmlformats.org/presentationml/2006/main" xmlns:p14="http://schemas.microsoft.com/office/powerpoint/2010/main">
   <p:cSld>
     <p:spTree>
       <p:nvGrpSpPr>
@@ -4284,24 +4239,15 @@
       </p:sp>
       <p:pic>
         <p:nvPicPr>
-          <p:cNvPr id="4" name="그림 3" descr="C:/Users/김규정/AppData/Roaming/PolarisOffice/ETemp/5308_9784352/fImage307113775705.png"/>
+          <p:cNvPr id="4" name="그림 3" descr="C:/Users/김규정/AppData/Roaming/PolarisOffice/ETemp/5320_23362440/fImage448411915705.png"/>
           <p:cNvPicPr>
             <a:picLocks noChangeAspect="1"/>
           </p:cNvPicPr>
           <p:nvPr/>
         </p:nvPicPr>
         <p:blipFill rotWithShape="1">
-          <a:blip r:embed="rId2">
+          <a:blip r:embed="rId4">
             <a:extLst>
-              <a:ext uri="{BEBA8EAE-BF5A-486C-A8C5-ECC9F3942E4B}">
-                <a14:imgProps xmlns:a14="http://schemas.microsoft.com/office/drawing/2010/main">
-                  <a14:imgLayer r:embed="rId3">
-                    <a14:imgEffect>
-                      <a14:sharpenSoften amount="25000"/>
-                    </a14:imgEffect>
-                  </a14:imgLayer>
-                </a14:imgProps>
-              </a:ext>
               <a:ext uri="{28A0092B-C50C-407E-A947-70E740481C1C}">
                 <a14:useLocalDpi xmlns:a14="http://schemas.microsoft.com/office/drawing/2010/main" val="0"/>
               </a:ext>
@@ -4313,8 +4259,8 @@
         </p:blipFill>
         <p:spPr>
           <a:xfrm rot="0">
-            <a:off x="1799590" y="1423670"/>
-            <a:ext cx="8582660" cy="4815205"/>
+            <a:off x="2578100" y="1716405"/>
+            <a:ext cx="7011670" cy="4282440"/>
           </a:xfrm>
           <a:prstGeom prst="rect"/>
           <a:noFill/>
@@ -12890,24 +12836,15 @@
       </p:sp>
       <p:pic>
         <p:nvPicPr>
-          <p:cNvPr id="4" name="그림 3" descr="C:/Users/김규정/AppData/Roaming/PolarisOffice/ETemp/5308_9784352/fImage4841931541.png"/>
+          <p:cNvPr id="4" name="그림 3" descr="C:/Users/김규정/AppData/Roaming/PolarisOffice/ETemp/5320_23362440/fImage5018018141.png"/>
           <p:cNvPicPr>
             <a:picLocks noChangeAspect="1"/>
           </p:cNvPicPr>
           <p:nvPr/>
         </p:nvPicPr>
         <p:blipFill rotWithShape="1">
-          <a:blip r:embed="rId18">
+          <a:blip r:embed="rId20">
             <a:extLst>
-              <a:ext uri="{BEBA8EAE-BF5A-486C-A8C5-ECC9F3942E4B}">
-                <a14:imgProps xmlns:a14="http://schemas.microsoft.com/office/drawing/2010/main">
-                  <a14:imgLayer r:embed="rId19">
-                    <a14:imgEffect>
-                      <a14:sharpenSoften amount="25000"/>
-                    </a14:imgEffect>
-                  </a14:imgLayer>
-                </a14:imgProps>
-              </a:ext>
               <a:ext uri="{28A0092B-C50C-407E-A947-70E740481C1C}">
                 <a14:useLocalDpi xmlns:a14="http://schemas.microsoft.com/office/drawing/2010/main" val="0"/>
               </a:ext>
@@ -12919,8 +12856,8 @@
         </p:blipFill>
         <p:spPr>
           <a:xfrm rot="0">
-            <a:off x="1180465" y="1195070"/>
-            <a:ext cx="9817735" cy="5004435"/>
+            <a:off x="1588770" y="1600835"/>
+            <a:ext cx="9011920" cy="4592320"/>
           </a:xfrm>
           <a:prstGeom prst="rect"/>
           <a:noFill/>
@@ -12955,7 +12892,7 @@
 </file>
 
 <file path=ppt/slides/slide7.xml><?xml version="1.0" encoding="utf-8"?>
-<p:sld xmlns:a="http://schemas.openxmlformats.org/drawingml/2006/main" xmlns:r="http://schemas.openxmlformats.org/officeDocument/2006/relationships" xmlns:p="http://schemas.openxmlformats.org/presentationml/2006/main">
+<p:sld xmlns:a="http://schemas.openxmlformats.org/drawingml/2006/main" xmlns:r="http://schemas.openxmlformats.org/officeDocument/2006/relationships" xmlns:p="http://schemas.openxmlformats.org/presentationml/2006/main" xmlns:p14="http://schemas.microsoft.com/office/powerpoint/2010/main">
   <p:cSld>
     <p:spTree>
       <p:nvGrpSpPr>
@@ -13134,14 +13071,14 @@
       </p:sp>
       <p:pic>
         <p:nvPicPr>
-          <p:cNvPr id="5" name="그림 4" descr="C:/Users/김규정/AppData/Roaming/PolarisOffice/ETemp/5308_9784352/fImage1009443178467.png"/>
+          <p:cNvPr id="5" name="그림 4" descr="C:/Users/김규정/AppData/Roaming/PolarisOffice/ETemp/5320_23362440/fImage867661748467.png"/>
           <p:cNvPicPr>
             <a:picLocks noChangeAspect="1"/>
           </p:cNvPicPr>
           <p:nvPr/>
         </p:nvPicPr>
         <p:blipFill rotWithShape="1">
-          <a:blip r:embed="rId2">
+          <a:blip r:embed="rId3">
             <a:extLst>
               <a:ext uri="{28A0092B-C50C-407E-A947-70E740481C1C}">
                 <a14:useLocalDpi xmlns:a14="http://schemas.microsoft.com/office/drawing/2010/main" val="0"/>
@@ -13154,8 +13091,8 @@
         </p:blipFill>
         <p:spPr>
           <a:xfrm rot="0">
-            <a:off x="1691640" y="1190625"/>
-            <a:ext cx="9190990" cy="5144135"/>
+            <a:off x="1700530" y="1191260"/>
+            <a:ext cx="8771255" cy="5216525"/>
           </a:xfrm>
           <a:prstGeom prst="rect"/>
           <a:noFill/>
@@ -13185,7 +13122,7 @@
 </file>
 
 <file path=ppt/slides/slide8.xml><?xml version="1.0" encoding="utf-8"?>
-<p:sld xmlns:a="http://schemas.openxmlformats.org/drawingml/2006/main" xmlns:r="http://schemas.openxmlformats.org/officeDocument/2006/relationships" xmlns:p="http://schemas.openxmlformats.org/presentationml/2006/main">
+<p:sld xmlns:a="http://schemas.openxmlformats.org/drawingml/2006/main" xmlns:r="http://schemas.openxmlformats.org/officeDocument/2006/relationships" xmlns:p="http://schemas.openxmlformats.org/presentationml/2006/main" xmlns:p14="http://schemas.microsoft.com/office/powerpoint/2010/main">
   <p:cSld>
     <p:spTree>
       <p:nvGrpSpPr>
@@ -13315,14 +13252,14 @@
       </p:sp>
       <p:pic>
         <p:nvPicPr>
-          <p:cNvPr id="4" name="그림 3" descr="C:/Users/김규정/AppData/Roaming/PolarisOffice/ETemp/5308_9784352/fImage1226273186334.png"/>
+          <p:cNvPr id="4" name="그림 3" descr="C:/Users/김규정/AppData/Roaming/PolarisOffice/ETemp/5320_23362440/fImage1281151756334.png"/>
           <p:cNvPicPr>
             <a:picLocks noChangeAspect="1"/>
           </p:cNvPicPr>
           <p:nvPr/>
         </p:nvPicPr>
         <p:blipFill rotWithShape="1">
-          <a:blip r:embed="rId2">
+          <a:blip r:embed="rId3">
             <a:extLst>
               <a:ext uri="{28A0092B-C50C-407E-A947-70E740481C1C}">
                 <a14:useLocalDpi xmlns:a14="http://schemas.microsoft.com/office/drawing/2010/main" val="0"/>
@@ -13335,8 +13272,8 @@
         </p:blipFill>
         <p:spPr>
           <a:xfrm rot="0">
-            <a:off x="1479550" y="1181100"/>
-            <a:ext cx="9236075" cy="5415915"/>
+            <a:off x="2350770" y="1182370"/>
+            <a:ext cx="7490460" cy="5290185"/>
           </a:xfrm>
           <a:prstGeom prst="rect"/>
           <a:noFill/>
@@ -13366,7 +13303,7 @@
 </file>
 
 <file path=ppt/slides/slide9.xml><?xml version="1.0" encoding="utf-8"?>
-<p:sld xmlns:a="http://schemas.openxmlformats.org/drawingml/2006/main" xmlns:r="http://schemas.openxmlformats.org/officeDocument/2006/relationships" xmlns:p="http://schemas.openxmlformats.org/presentationml/2006/main">
+<p:sld xmlns:a="http://schemas.openxmlformats.org/drawingml/2006/main" xmlns:r="http://schemas.openxmlformats.org/officeDocument/2006/relationships" xmlns:p="http://schemas.openxmlformats.org/presentationml/2006/main" xmlns:p14="http://schemas.microsoft.com/office/powerpoint/2010/main">
   <p:cSld>
     <p:spTree>
       <p:nvGrpSpPr>
@@ -13545,24 +13482,15 @@
       </p:sp>
       <p:pic>
         <p:nvPicPr>
-          <p:cNvPr id="5" name="그림 4" descr="C:/Users/김규정/AppData/Roaming/PolarisOffice/ETemp/5308_9784352/fImage345283196500.png"/>
+          <p:cNvPr id="5" name="그림 4" descr="C:/Users/김규정/AppData/Roaming/PolarisOffice/ETemp/5320_23362440/fImage658211826500.png"/>
           <p:cNvPicPr>
             <a:picLocks noChangeAspect="1"/>
           </p:cNvPicPr>
           <p:nvPr/>
         </p:nvPicPr>
         <p:blipFill rotWithShape="1">
-          <a:blip r:embed="rId2">
+          <a:blip r:embed="rId4">
             <a:extLst>
-              <a:ext uri="{BEBA8EAE-BF5A-486C-A8C5-ECC9F3942E4B}">
-                <a14:imgProps xmlns:a14="http://schemas.microsoft.com/office/drawing/2010/main">
-                  <a14:imgLayer r:embed="rId3">
-                    <a14:imgEffect>
-                      <a14:sharpenSoften amount="25000"/>
-                    </a14:imgEffect>
-                  </a14:imgLayer>
-                </a14:imgProps>
-              </a:ext>
               <a:ext uri="{28A0092B-C50C-407E-A947-70E740481C1C}">
                 <a14:useLocalDpi xmlns:a14="http://schemas.microsoft.com/office/drawing/2010/main" val="0"/>
               </a:ext>
@@ -13574,8 +13502,8 @@
         </p:blipFill>
         <p:spPr>
           <a:xfrm rot="0">
-            <a:off x="1728470" y="1314450"/>
-            <a:ext cx="8749665" cy="4901565"/>
+            <a:off x="1954530" y="1292860"/>
+            <a:ext cx="8259445" cy="4965065"/>
           </a:xfrm>
           <a:prstGeom prst="rect"/>
           <a:noFill/>

--- a/제안서/개인프로젝트_Dokky_김규정.pptx
+++ b/제안서/개인프로젝트_Dokky_김규정.pptx
@@ -2,7 +2,7 @@
 <file path=ppt/presentation.xml><?xml version="1.0" encoding="utf-8"?>
 <p:presentation xmlns:a="http://schemas.openxmlformats.org/drawingml/2006/main" xmlns:r="http://schemas.openxmlformats.org/officeDocument/2006/relationships" xmlns:p="http://schemas.openxmlformats.org/presentationml/2006/main" xmlns:p14="http://schemas.microsoft.com/office/powerpoint/2010/main" saveSubsetFonts="1">
   <p:sldMasterIdLst>
-    <p:sldMasterId id="2147484992" r:id="rId7"/>
+    <p:sldMasterId id="2147484998" r:id="rId7"/>
   </p:sldMasterIdLst>
   <p:notesMasterIdLst>
     <p:notesMasterId r:id="rId9"/>
@@ -6731,7 +6731,7 @@
                     <a:bodyPr/>
                     <a:lstStyle/>
                     <a:p>
-                      <a:pPr marL="0" indent="0" algn="ctr" fontAlgn="auto" defTabSz="508000">
+                      <a:pPr marL="0" indent="0" algn="ctr" fontAlgn="auto" defTabSz="508000" eaLnBrk="0">
                         <a:lnSpc>
                           <a:spcPct val="100000"/>
                         </a:lnSpc>
@@ -6777,7 +6777,7 @@
                     <a:bodyPr/>
                     <a:lstStyle/>
                     <a:p>
-                      <a:pPr marL="0" indent="0" algn="just" fontAlgn="auto" defTabSz="508000">
+                      <a:pPr marL="0" indent="0" algn="just" fontAlgn="auto" defTabSz="508000" eaLnBrk="0">
                         <a:lnSpc>
                           <a:spcPct val="100000"/>
                         </a:lnSpc>
@@ -6809,7 +6809,7 @@
                       </a:endParaRPr>
                     </a:p>
                     <a:p>
-                      <a:pPr marL="0" indent="0" algn="just" fontAlgn="auto" defTabSz="508000">
+                      <a:pPr marL="0" indent="0" algn="just" fontAlgn="auto" defTabSz="508000" eaLnBrk="0">
                         <a:lnSpc>
                           <a:spcPct val="100000"/>
                         </a:lnSpc>
@@ -6857,7 +6857,7 @@
                     <a:bodyPr/>
                     <a:lstStyle/>
                     <a:p>
-                      <a:pPr marL="0" indent="0" algn="ctr" fontAlgn="auto" defTabSz="508000">
+                      <a:pPr marL="0" indent="0" algn="ctr" fontAlgn="auto" defTabSz="508000" eaLnBrk="0">
                         <a:lnSpc>
                           <a:spcPct val="100000"/>
                         </a:lnSpc>
@@ -6903,7 +6903,7 @@
                     <a:bodyPr/>
                     <a:lstStyle/>
                     <a:p>
-                      <a:pPr marL="0" indent="0" algn="just" fontAlgn="auto" defTabSz="508000">
+                      <a:pPr marL="0" indent="0" algn="just" fontAlgn="auto" defTabSz="508000" eaLnBrk="0">
                         <a:lnSpc>
                           <a:spcPct val="100000"/>
                         </a:lnSpc>
@@ -6951,7 +6951,7 @@
                     <a:bodyPr/>
                     <a:lstStyle/>
                     <a:p>
-                      <a:pPr marL="0" indent="0" algn="ctr" fontAlgn="auto" defTabSz="508000">
+                      <a:pPr marL="0" indent="0" algn="ctr" fontAlgn="auto" defTabSz="508000" eaLnBrk="0">
                         <a:lnSpc>
                           <a:spcPct val="100000"/>
                         </a:lnSpc>
@@ -6997,39 +6997,7 @@
                     <a:bodyPr/>
                     <a:lstStyle/>
                     <a:p>
-                      <a:pPr marL="0" indent="0" algn="just" fontAlgn="auto" defTabSz="508000">
-                        <a:lnSpc>
-                          <a:spcPct val="100000"/>
-                        </a:lnSpc>
-                        <a:spcBef>
-                          <a:spcPts val="0"/>
-                        </a:spcBef>
-                        <a:spcAft>
-                          <a:spcPts val="0"/>
-                        </a:spcAft>
-                        <a:buFontTx/>
-                        <a:buNone/>
-                      </a:pPr>
-                      <a:r>
-                        <a:rPr lang="en-US" altLang="ko-KR" sz="1800" kern="1200" cap="none" dirty="0" smtClean="0" b="1" strike="noStrike">
-                          <a:solidFill>
-                            <a:schemeClr val="tx1"/>
-                          </a:solidFill>
-                          <a:latin typeface="맑은 고딕" charset="0"/>
-                          <a:ea typeface="맑은 고딕" charset="0"/>
-                        </a:rPr>
-                        <a:t>JSP, </a:t>
-                      </a:r>
-                      <a:endParaRPr lang="ko-KR" altLang="en-US" sz="1800" kern="1200" dirty="0" smtClean="0" cap="none" b="1" strike="noStrike">
-                        <a:solidFill>
-                          <a:schemeClr val="tx1"/>
-                        </a:solidFill>
-                        <a:latin typeface="맑은 고딕" charset="0"/>
-                        <a:ea typeface="맑은 고딕" charset="0"/>
-                      </a:endParaRPr>
-                    </a:p>
-                    <a:p>
-                      <a:pPr marL="0" indent="0" algn="just" fontAlgn="auto" defTabSz="508000">
+                      <a:pPr marL="0" indent="0" algn="just" fontAlgn="auto" defTabSz="508000" eaLnBrk="0">
                         <a:lnSpc>
                           <a:spcPct val="100000"/>
                         </a:lnSpc>
@@ -7061,7 +7029,7 @@
                       </a:endParaRPr>
                     </a:p>
                     <a:p>
-                      <a:pPr marL="0" indent="0" algn="just" fontAlgn="auto" defTabSz="508000">
+                      <a:pPr marL="0" indent="0" algn="just" fontAlgn="auto" defTabSz="508000" eaLnBrk="0">
                         <a:lnSpc>
                           <a:spcPct val="100000"/>
                         </a:lnSpc>
@@ -7082,7 +7050,39 @@
                           <a:latin typeface="맑은 고딕" charset="0"/>
                           <a:ea typeface="맑은 고딕" charset="0"/>
                         </a:rPr>
-                        <a:t>JQuery(1.11.1), Ajax</a:t>
+                        <a:t>JQuery(1.11.1), </a:t>
+                      </a:r>
+                      <a:endParaRPr lang="ko-KR" altLang="en-US" sz="1800" kern="1200" dirty="0" smtClean="0" cap="none" b="1" strike="noStrike">
+                        <a:solidFill>
+                          <a:schemeClr val="tx1"/>
+                        </a:solidFill>
+                        <a:latin typeface="맑은 고딕" charset="0"/>
+                        <a:ea typeface="맑은 고딕" charset="0"/>
+                      </a:endParaRPr>
+                    </a:p>
+                    <a:p>
+                      <a:pPr marL="0" indent="0" algn="just" fontAlgn="auto" defTabSz="508000" eaLnBrk="0">
+                        <a:lnSpc>
+                          <a:spcPct val="100000"/>
+                        </a:lnSpc>
+                        <a:spcBef>
+                          <a:spcPts val="0"/>
+                        </a:spcBef>
+                        <a:spcAft>
+                          <a:spcPts val="0"/>
+                        </a:spcAft>
+                        <a:buFontTx/>
+                        <a:buNone/>
+                      </a:pPr>
+                      <a:r>
+                        <a:rPr lang="en-US" altLang="ko-KR" sz="1800" kern="1200" cap="none" dirty="0" smtClean="0" b="1" strike="noStrike">
+                          <a:solidFill>
+                            <a:schemeClr val="tx1"/>
+                          </a:solidFill>
+                          <a:latin typeface="맑은 고딕" charset="0"/>
+                          <a:ea typeface="맑은 고딕" charset="0"/>
+                        </a:rPr>
+                        <a:t>Ajax</a:t>
                       </a:r>
                       <a:endParaRPr lang="ko-KR" altLang="en-US" sz="1800" kern="1200" dirty="0" smtClean="0" cap="none" b="1" strike="noStrike">
                         <a:solidFill>
@@ -7109,7 +7109,7 @@
                     <a:bodyPr/>
                     <a:lstStyle/>
                     <a:p>
-                      <a:pPr marL="0" indent="0" algn="ctr" fontAlgn="auto" defTabSz="508000">
+                      <a:pPr marL="0" indent="0" algn="ctr" fontAlgn="auto" defTabSz="508000" eaLnBrk="0">
                         <a:lnSpc>
                           <a:spcPct val="100000"/>
                         </a:lnSpc>
@@ -7155,7 +7155,7 @@
                     <a:bodyPr/>
                     <a:lstStyle/>
                     <a:p>
-                      <a:pPr marL="0" indent="0" algn="just" fontAlgn="auto" defTabSz="508000">
+                      <a:pPr marL="0" indent="0" algn="just" fontAlgn="auto" defTabSz="508000" eaLnBrk="0">
                         <a:lnSpc>
                           <a:spcPct val="100000"/>
                         </a:lnSpc>
@@ -7203,7 +7203,7 @@
                     <a:bodyPr/>
                     <a:lstStyle/>
                     <a:p>
-                      <a:pPr marL="0" indent="0" algn="ctr" fontAlgn="auto" defTabSz="508000">
+                      <a:pPr marL="0" indent="0" algn="ctr" fontAlgn="auto" defTabSz="508000" eaLnBrk="0">
                         <a:lnSpc>
                           <a:spcPct val="100000"/>
                         </a:lnSpc>
@@ -7249,7 +7249,7 @@
                     <a:bodyPr/>
                     <a:lstStyle/>
                     <a:p>
-                      <a:pPr marL="0" indent="0" algn="just" fontAlgn="auto" defTabSz="508000">
+                      <a:pPr marL="0" indent="0" algn="just" fontAlgn="auto" defTabSz="508000" eaLnBrk="0">
                         <a:lnSpc>
                           <a:spcPct val="100000"/>
                         </a:lnSpc>
@@ -7281,7 +7281,7 @@
                       </a:endParaRPr>
                     </a:p>
                     <a:p>
-                      <a:pPr marL="0" indent="0" algn="just" fontAlgn="auto" defTabSz="508000">
+                      <a:pPr marL="0" indent="0" algn="just" fontAlgn="auto" defTabSz="508000" eaLnBrk="0">
                         <a:lnSpc>
                           <a:spcPct val="100000"/>
                         </a:lnSpc>
@@ -7313,7 +7313,7 @@
                       </a:endParaRPr>
                     </a:p>
                     <a:p>
-                      <a:pPr marL="0" indent="0" algn="just" fontAlgn="auto" defTabSz="508000">
+                      <a:pPr marL="0" indent="0" algn="just" fontAlgn="auto" defTabSz="508000" eaLnBrk="0">
                         <a:lnSpc>
                           <a:spcPct val="100000"/>
                         </a:lnSpc>
@@ -7345,7 +7345,7 @@
                       </a:endParaRPr>
                     </a:p>
                     <a:p>
-                      <a:pPr marL="0" indent="0" algn="just" fontAlgn="auto" defTabSz="508000">
+                      <a:pPr marL="0" indent="0" algn="just" fontAlgn="auto" defTabSz="508000" eaLnBrk="0">
                         <a:lnSpc>
                           <a:spcPct val="100000"/>
                         </a:lnSpc>
@@ -10540,15 +10540,15 @@
           <p:nvPr/>
         </p:nvSpPr>
         <p:spPr>
-          <a:xfrm rot="0">
+          <a:xfrm>
             <a:off x="866775" y="1513840"/>
-            <a:ext cx="9514840" cy="399415"/>
+            <a:ext cx="9515475" cy="706755"/>
           </a:xfrm>
           <a:prstGeom prst="rect"/>
           <a:noFill/>
         </p:spPr>
         <p:txBody>
-          <a:bodyPr wrap="square" lIns="91440" tIns="45720" rIns="91440" bIns="45720" vert="horz" anchor="t">
+          <a:bodyPr wrap="square" lIns="91440" tIns="45720" rIns="91440" bIns="45720" numCol="1" vert="horz" anchor="t">
             <a:spAutoFit/>
           </a:bodyPr>
           <a:lstStyle/>
@@ -10572,6 +10572,32 @@
                 <a:ea typeface="-윤고딕320" charset="0"/>
               </a:rPr>
               <a:t>3. 일정</a:t>
+            </a:r>
+            <a:endParaRPr lang="ko-KR" altLang="en-US" sz="2000" cap="none" dirty="0" smtClean="0" b="0" strike="noStrike">
+              <a:latin typeface="-윤고딕320" charset="0"/>
+              <a:ea typeface="-윤고딕320" charset="0"/>
+            </a:endParaRPr>
+          </a:p>
+          <a:p>
+            <a:pPr marL="0" indent="0" algn="l" fontAlgn="auto" defTabSz="914400" eaLnBrk="0">
+              <a:lnSpc>
+                <a:spcPct val="100000"/>
+              </a:lnSpc>
+              <a:spcBef>
+                <a:spcPts val="0"/>
+              </a:spcBef>
+              <a:spcAft>
+                <a:spcPts val="0"/>
+              </a:spcAft>
+              <a:buFontTx/>
+              <a:buNone/>
+            </a:pPr>
+            <a:r>
+              <a:rPr lang="en-US" altLang="ko-KR" sz="2000" cap="none" dirty="0" smtClean="0" b="0" strike="noStrike">
+                <a:latin typeface="-윤고딕320" charset="0"/>
+                <a:ea typeface="-윤고딕320" charset="0"/>
+              </a:rPr>
+              <a:t> 2019.02.08-02.28</a:t>
             </a:r>
             <a:endParaRPr lang="ko-KR" altLang="en-US" sz="2000" cap="none" dirty="0" smtClean="0" b="0" strike="noStrike">
               <a:latin typeface="-윤고딕320" charset="0"/>
@@ -12435,7 +12461,7 @@
         <p:spPr>
           <a:xfrm rot="0">
             <a:off x="8787765" y="1954530"/>
-            <a:ext cx="2880995" cy="190500"/>
+            <a:ext cx="2565400" cy="217805"/>
           </a:xfrm>
           <a:prstGeom prst="rightArrow">
             <a:avLst>
@@ -12461,12 +12487,12 @@
           </a:fontRef>
         </p:style>
         <p:txBody>
-          <a:bodyPr wrap="square" lIns="91440" tIns="45720" rIns="91440" bIns="45720" vert="horz" anchor="ctr">
+          <a:bodyPr wrap="square" lIns="91440" tIns="45720" rIns="91440" bIns="45720" numCol="1" vert="horz" anchor="ctr">
             <a:noAutofit/>
           </a:bodyPr>
           <a:lstStyle/>
           <a:p>
-            <a:pPr marL="0" indent="0" algn="ctr" fontAlgn="auto" defTabSz="508000">
+            <a:pPr marL="0" indent="0" algn="ctr" fontAlgn="auto" defTabSz="508000" eaLnBrk="0">
               <a:lnSpc>
                 <a:spcPct val="100000"/>
               </a:lnSpc>

--- a/제안서/개인프로젝트_Dokky_김규정.pptx
+++ b/제안서/개인프로젝트_Dokky_김규정.pptx
@@ -2,7 +2,7 @@
 <file path=ppt/presentation.xml><?xml version="1.0" encoding="utf-8"?>
 <p:presentation xmlns:a="http://schemas.openxmlformats.org/drawingml/2006/main" xmlns:r="http://schemas.openxmlformats.org/officeDocument/2006/relationships" xmlns:p="http://schemas.openxmlformats.org/presentationml/2006/main" xmlns:p14="http://schemas.microsoft.com/office/powerpoint/2010/main" saveSubsetFonts="1">
   <p:sldMasterIdLst>
-    <p:sldMasterId id="2147484998" r:id="rId7"/>
+    <p:sldMasterId id="2147485005" r:id="rId7"/>
   </p:sldMasterIdLst>
   <p:notesMasterIdLst>
     <p:notesMasterId r:id="rId9"/>
@@ -4874,8 +4874,8 @@
         </p:nvSpPr>
         <p:spPr>
           <a:xfrm rot="0">
-            <a:off x="3719195" y="1569720"/>
-            <a:ext cx="4753610" cy="5118100"/>
+            <a:off x="3632835" y="1569720"/>
+            <a:ext cx="4754245" cy="5118735"/>
           </a:xfrm>
           <a:prstGeom prst="rect"/>
         </p:spPr>
@@ -5067,9 +5067,9 @@
               </a:rPr>
               <a:t>- 일정</a:t>
             </a:r>
-            <a:endParaRPr lang="ko-KR" altLang="en-US" sz="2000" cap="none" dirty="0" smtClean="0" b="0" strike="noStrike">
-              <a:latin typeface="-윤고딕330" charset="0"/>
-              <a:ea typeface="-윤고딕330" charset="0"/>
+            <a:endParaRPr lang="ko-KR" altLang="en-US" sz="1800" cap="none" dirty="0" smtClean="0" b="0" strike="noStrike">
+              <a:latin typeface="-윤고딕310" charset="0"/>
+              <a:ea typeface="-윤고딕310" charset="0"/>
             </a:endParaRPr>
           </a:p>
           <a:p>
@@ -5395,7 +5395,7 @@
         <p:spPr>
           <a:xfrm>
             <a:off x="1462405" y="2228215"/>
-            <a:ext cx="9515475" cy="3165475"/>
+            <a:ext cx="9516110" cy="3165475"/>
           </a:xfrm>
           <a:prstGeom prst="rect"/>
           <a:noFill/>
@@ -5645,7 +5645,7 @@
                 <a:latin typeface="-윤고딕320" charset="0"/>
                 <a:ea typeface="-윤고딕320" charset="0"/>
               </a:rPr>
-              <a:t> Okky, stackofflow와 비슷한 개발자 커뮤니티 사이트이다.</a:t>
+              <a:t> Okky, stackofflow와 비슷한 개발자 커뮤니티 사이트</a:t>
             </a:r>
             <a:endParaRPr lang="ko-KR" altLang="en-US" sz="2000" cap="none" dirty="0" smtClean="0" b="0" strike="noStrike">
               <a:latin typeface="-윤고딕320" charset="0"/>

--- a/제안서/개인프로젝트_Dokky_김규정.pptx
+++ b/제안서/개인프로젝트_Dokky_김규정.pptx
@@ -2,7 +2,7 @@
 <file path=ppt/presentation.xml><?xml version="1.0" encoding="utf-8"?>
 <p:presentation xmlns:a="http://schemas.openxmlformats.org/drawingml/2006/main" xmlns:r="http://schemas.openxmlformats.org/officeDocument/2006/relationships" xmlns:p="http://schemas.openxmlformats.org/presentationml/2006/main" xmlns:p14="http://schemas.microsoft.com/office/powerpoint/2010/main" saveSubsetFonts="1">
   <p:sldMasterIdLst>
-    <p:sldMasterId id="2147485005" r:id="rId7"/>
+    <p:sldMasterId id="2147485006" r:id="rId7"/>
   </p:sldMasterIdLst>
   <p:notesMasterIdLst>
     <p:notesMasterId r:id="rId9"/>
@@ -5395,7 +5395,7 @@
         <p:spPr>
           <a:xfrm>
             <a:off x="1462405" y="2228215"/>
-            <a:ext cx="9516110" cy="3165475"/>
+            <a:ext cx="9516745" cy="3165475"/>
           </a:xfrm>
           <a:prstGeom prst="rect"/>
           <a:noFill/>
@@ -5645,7 +5645,7 @@
                 <a:latin typeface="-윤고딕320" charset="0"/>
                 <a:ea typeface="-윤고딕320" charset="0"/>
               </a:rPr>
-              <a:t> Okky, stackofflow와 비슷한 개발자 커뮤니티 사이트</a:t>
+              <a:t> Okky, stackoverflow와 비슷한 개발자 커뮤니티 사이트</a:t>
             </a:r>
             <a:endParaRPr lang="ko-KR" altLang="en-US" sz="2000" cap="none" dirty="0" smtClean="0" b="0" strike="noStrike">
               <a:latin typeface="-윤고딕320" charset="0"/>

--- a/제안서/개인프로젝트_Dokky_김규정.pptx
+++ b/제안서/개인프로젝트_Dokky_김규정.pptx
@@ -2,7 +2,7 @@
 <file path=ppt/presentation.xml><?xml version="1.0" encoding="utf-8"?>
 <p:presentation xmlns:a="http://schemas.openxmlformats.org/drawingml/2006/main" xmlns:r="http://schemas.openxmlformats.org/officeDocument/2006/relationships" xmlns:p="http://schemas.openxmlformats.org/presentationml/2006/main" xmlns:p14="http://schemas.microsoft.com/office/powerpoint/2010/main" saveSubsetFonts="1">
   <p:sldMasterIdLst>
-    <p:sldMasterId id="2147485006" r:id="rId7"/>
+    <p:sldMasterId id="2147485007" r:id="rId7"/>
   </p:sldMasterIdLst>
   <p:notesMasterIdLst>
     <p:notesMasterId r:id="rId9"/>
@@ -5395,7 +5395,7 @@
         <p:spPr>
           <a:xfrm>
             <a:off x="1462405" y="2228215"/>
-            <a:ext cx="9516745" cy="3165475"/>
+            <a:ext cx="9517380" cy="3165475"/>
           </a:xfrm>
           <a:prstGeom prst="rect"/>
           <a:noFill/>
@@ -5645,7 +5645,7 @@
                 <a:latin typeface="-윤고딕320" charset="0"/>
                 <a:ea typeface="-윤고딕320" charset="0"/>
               </a:rPr>
-              <a:t> Okky, stackoverflow와 비슷한 개발자 커뮤니티 사이트</a:t>
+              <a:t> Okky, stackoverflow, quora와 비슷한 개발자 커뮤니티 사이트</a:t>
             </a:r>
             <a:endParaRPr lang="ko-KR" altLang="en-US" sz="2000" cap="none" dirty="0" smtClean="0" b="0" strike="noStrike">
               <a:latin typeface="-윤고딕320" charset="0"/>
